--- a/iMAS_apr_2013_slides.pptx
+++ b/iMAS_apr_2013_slides.pptx
@@ -315,7 +315,7 @@
             <a:fld id="{51690CB7-0687-487C-88FE-D323D662680D}" type="datetimeFigureOut">
               <a:rPr lang="en-US" smtClean="0"/>
               <a:pPr/>
-              <a:t>4/17/13</a:t>
+              <a:t>4/17/2013</a:t>
             </a:fld>
             <a:endParaRPr lang="en-US" dirty="0"/>
           </a:p>
@@ -1683,7 +1683,7 @@
           <a:p>
             <a:fld id="{EFDC0DFB-3B68-47FF-A6A6-16E6F38A9E96}" type="datetime8">
               <a:rPr lang="en-US" smtClean="0"/>
-              <a:t>4/17/13 12:55</a:t>
+              <a:t>4/17/2013 12:59 PM</a:t>
             </a:fld>
             <a:endParaRPr lang="en-US" dirty="0"/>
           </a:p>
@@ -2164,7 +2164,7 @@
                 <a:tabLst/>
                 <a:defRPr/>
               </a:pPr>
-              <a:t>4/17/13 12:55</a:t>
+              <a:t>4/17/2013 12:59 PM</a:t>
             </a:fld>
             <a:endParaRPr lang="en-US" dirty="0"/>
           </a:p>
@@ -2518,7 +2518,7 @@
             <a:fld id="{EFDC0DFB-3B68-47FF-A6A6-16E6F38A9E96}" type="datetime8">
               <a:rPr lang="en-US" smtClean="0"/>
               <a:pPr/>
-              <a:t>4/17/13 12:55</a:t>
+              <a:t>4/17/2013 12:59 PM</a:t>
             </a:fld>
             <a:endParaRPr lang="en-US" dirty="0"/>
           </a:p>
@@ -5079,8 +5079,8 @@
         </p:nvSpPr>
         <p:spPr>
           <a:xfrm>
-            <a:off x="2362200" y="4267200"/>
-            <a:ext cx="1877437" cy="385362"/>
+            <a:off x="2394808" y="4276725"/>
+            <a:ext cx="1287532" cy="385362"/>
           </a:xfrm>
           <a:prstGeom prst="rect">
             <a:avLst/>
@@ -5095,7 +5095,7 @@
           <a:p>
             <a:r>
               <a:rPr lang="en-US" dirty="0" smtClean="0"/>
-              <a:t>December 2012</a:t>
+              <a:t>April 2013</a:t>
             </a:r>
             <a:endParaRPr lang="en-US" dirty="0"/>
           </a:p>
@@ -5138,7 +5138,7 @@
         </p:nvSpPr>
         <p:spPr>
           <a:xfrm>
-            <a:off x="2438400" y="3059133"/>
+            <a:off x="2371725" y="3059133"/>
             <a:ext cx="2621230" cy="385362"/>
           </a:xfrm>
           <a:prstGeom prst="rect">
@@ -5209,14 +5209,14 @@
             </a:ln>
             <a:effectLst/>
             <a:extLst>
-              <a:ext uri="{909E8E84-426E-40dd-AFC4-6F175D3DCCD1}">
+              <a:ext uri="{909E8E84-426E-40DD-AFC4-6F175D3DCCD1}">
                 <a14:hiddenFill xmlns:a14="http://schemas.microsoft.com/office/drawing/2010/main">
                   <a:solidFill>
                     <a:schemeClr val="accent1"/>
                   </a:solidFill>
                 </a14:hiddenFill>
               </a:ext>
-              <a:ext uri="{91240B29-F687-4f45-9708-019B960494DF}">
+              <a:ext uri="{91240B29-F687-4F45-9708-019B960494DF}">
                 <a14:hiddenLine xmlns:a14="http://schemas.microsoft.com/office/drawing/2010/main" w="9525">
                   <a:solidFill>
                     <a:schemeClr val="tx1"/>
@@ -5226,7 +5226,7 @@
                   <a:tailEnd/>
                 </a14:hiddenLine>
               </a:ext>
-              <a:ext uri="{AF507438-7753-43e0-B8FC-AC1667EBCBE1}">
+              <a:ext uri="{AF507438-7753-43E0-B8FC-AC1667EBCBE1}">
                 <a14:hiddenEffects xmlns:a14="http://schemas.microsoft.com/office/drawing/2010/main">
                   <a:effectLst>
                     <a:outerShdw dist="35921" dir="2700000" algn="ctr" rotWithShape="0">
@@ -5273,14 +5273,14 @@
             </a:ln>
             <a:effectLst/>
             <a:extLst>
-              <a:ext uri="{909E8E84-426E-40dd-AFC4-6F175D3DCCD1}">
+              <a:ext uri="{909E8E84-426E-40DD-AFC4-6F175D3DCCD1}">
                 <a14:hiddenFill xmlns:a14="http://schemas.microsoft.com/office/drawing/2010/main">
                   <a:solidFill>
                     <a:schemeClr val="accent1"/>
                   </a:solidFill>
                 </a14:hiddenFill>
               </a:ext>
-              <a:ext uri="{91240B29-F687-4f45-9708-019B960494DF}">
+              <a:ext uri="{91240B29-F687-4F45-9708-019B960494DF}">
                 <a14:hiddenLine xmlns:a14="http://schemas.microsoft.com/office/drawing/2010/main" w="9525">
                   <a:solidFill>
                     <a:schemeClr val="tx1"/>
@@ -5290,7 +5290,7 @@
                   <a:tailEnd/>
                 </a14:hiddenLine>
               </a:ext>
-              <a:ext uri="{AF507438-7753-43e0-B8FC-AC1667EBCBE1}">
+              <a:ext uri="{AF507438-7753-43E0-B8FC-AC1667EBCBE1}">
                 <a14:hiddenEffects xmlns:a14="http://schemas.microsoft.com/office/drawing/2010/main">
                   <a:effectLst>
                     <a:outerShdw dist="35921" dir="2700000" algn="ctr" rotWithShape="0">
@@ -5336,14 +5336,14 @@
               <a:noFill/>
             </a:ln>
             <a:extLst>
-              <a:ext uri="{909E8E84-426E-40dd-AFC4-6F175D3DCCD1}">
+              <a:ext uri="{909E8E84-426E-40DD-AFC4-6F175D3DCCD1}">
                 <a14:hiddenFill xmlns:a14="http://schemas.microsoft.com/office/drawing/2010/main">
                   <a:solidFill>
                     <a:srgbClr val="FFFFFF"/>
                   </a:solidFill>
                 </a14:hiddenFill>
               </a:ext>
-              <a:ext uri="{91240B29-F687-4f45-9708-019B960494DF}">
+              <a:ext uri="{91240B29-F687-4F45-9708-019B960494DF}">
                 <a14:hiddenLine xmlns:a14="http://schemas.microsoft.com/office/drawing/2010/main" w="9525">
                   <a:solidFill>
                     <a:srgbClr val="000000"/>
@@ -5658,14 +5658,14 @@
           </a:ln>
           <a:effectLst/>
           <a:extLst>
-            <a:ext uri="{909E8E84-426E-40dd-AFC4-6F175D3DCCD1}">
+            <a:ext uri="{909E8E84-426E-40DD-AFC4-6F175D3DCCD1}">
               <a14:hiddenFill xmlns:a14="http://schemas.microsoft.com/office/drawing/2010/main">
                 <a:solidFill>
                   <a:schemeClr val="accent1"/>
                 </a:solidFill>
               </a14:hiddenFill>
             </a:ext>
-            <a:ext uri="{91240B29-F687-4f45-9708-019B960494DF}">
+            <a:ext uri="{91240B29-F687-4F45-9708-019B960494DF}">
               <a14:hiddenLine xmlns:a14="http://schemas.microsoft.com/office/drawing/2010/main" w="9525">
                 <a:solidFill>
                   <a:schemeClr val="tx1"/>
@@ -5675,7 +5675,7 @@
                 <a:tailEnd/>
               </a14:hiddenLine>
             </a:ext>
-            <a:ext uri="{AF507438-7753-43e0-B8FC-AC1667EBCBE1}">
+            <a:ext uri="{AF507438-7753-43E0-B8FC-AC1667EBCBE1}">
               <a14:hiddenEffects xmlns:a14="http://schemas.microsoft.com/office/drawing/2010/main">
                 <a:effectLst>
                   <a:outerShdw dist="35921" dir="2700000" algn="ctr" rotWithShape="0">
@@ -5722,14 +5722,14 @@
           </a:ln>
           <a:effectLst/>
           <a:extLst>
-            <a:ext uri="{909E8E84-426E-40dd-AFC4-6F175D3DCCD1}">
+            <a:ext uri="{909E8E84-426E-40DD-AFC4-6F175D3DCCD1}">
               <a14:hiddenFill xmlns:a14="http://schemas.microsoft.com/office/drawing/2010/main">
                 <a:solidFill>
                   <a:schemeClr val="accent1"/>
                 </a:solidFill>
               </a14:hiddenFill>
             </a:ext>
-            <a:ext uri="{91240B29-F687-4f45-9708-019B960494DF}">
+            <a:ext uri="{91240B29-F687-4F45-9708-019B960494DF}">
               <a14:hiddenLine xmlns:a14="http://schemas.microsoft.com/office/drawing/2010/main" w="9525">
                 <a:solidFill>
                   <a:schemeClr val="tx1"/>
@@ -5739,7 +5739,7 @@
                 <a:tailEnd/>
               </a14:hiddenLine>
             </a:ext>
-            <a:ext uri="{AF507438-7753-43e0-B8FC-AC1667EBCBE1}">
+            <a:ext uri="{AF507438-7753-43E0-B8FC-AC1667EBCBE1}">
               <a14:hiddenEffects xmlns:a14="http://schemas.microsoft.com/office/drawing/2010/main">
                 <a:effectLst>
                   <a:outerShdw dist="35921" dir="2700000" algn="ctr" rotWithShape="0">
@@ -5800,14 +5800,14 @@
             </a:ln>
             <a:effectLst/>
             <a:extLst>
-              <a:ext uri="{909E8E84-426E-40dd-AFC4-6F175D3DCCD1}">
+              <a:ext uri="{909E8E84-426E-40DD-AFC4-6F175D3DCCD1}">
                 <a14:hiddenFill xmlns:a14="http://schemas.microsoft.com/office/drawing/2010/main">
                   <a:solidFill>
                     <a:schemeClr val="accent1"/>
                   </a:solidFill>
                 </a14:hiddenFill>
               </a:ext>
-              <a:ext uri="{91240B29-F687-4f45-9708-019B960494DF}">
+              <a:ext uri="{91240B29-F687-4F45-9708-019B960494DF}">
                 <a14:hiddenLine xmlns:a14="http://schemas.microsoft.com/office/drawing/2010/main" w="9525">
                   <a:solidFill>
                     <a:schemeClr val="tx1"/>
@@ -5817,7 +5817,7 @@
                   <a:tailEnd/>
                 </a14:hiddenLine>
               </a:ext>
-              <a:ext uri="{AF507438-7753-43e0-B8FC-AC1667EBCBE1}">
+              <a:ext uri="{AF507438-7753-43E0-B8FC-AC1667EBCBE1}">
                 <a14:hiddenEffects xmlns:a14="http://schemas.microsoft.com/office/drawing/2010/main">
                   <a:effectLst>
                     <a:outerShdw dist="35921" dir="2700000" algn="ctr" rotWithShape="0">
@@ -5864,14 +5864,14 @@
             </a:ln>
             <a:effectLst/>
             <a:extLst>
-              <a:ext uri="{909E8E84-426E-40dd-AFC4-6F175D3DCCD1}">
+              <a:ext uri="{909E8E84-426E-40DD-AFC4-6F175D3DCCD1}">
                 <a14:hiddenFill xmlns:a14="http://schemas.microsoft.com/office/drawing/2010/main">
                   <a:solidFill>
                     <a:schemeClr val="accent1"/>
                   </a:solidFill>
                 </a14:hiddenFill>
               </a:ext>
-              <a:ext uri="{91240B29-F687-4f45-9708-019B960494DF}">
+              <a:ext uri="{91240B29-F687-4F45-9708-019B960494DF}">
                 <a14:hiddenLine xmlns:a14="http://schemas.microsoft.com/office/drawing/2010/main" w="9525">
                   <a:solidFill>
                     <a:schemeClr val="tx1"/>
@@ -5881,7 +5881,7 @@
                   <a:tailEnd/>
                 </a14:hiddenLine>
               </a:ext>
-              <a:ext uri="{AF507438-7753-43e0-B8FC-AC1667EBCBE1}">
+              <a:ext uri="{AF507438-7753-43E0-B8FC-AC1667EBCBE1}">
                 <a14:hiddenEffects xmlns:a14="http://schemas.microsoft.com/office/drawing/2010/main">
                   <a:effectLst>
                     <a:outerShdw dist="35921" dir="2700000" algn="ctr" rotWithShape="0">
@@ -5927,14 +5927,14 @@
               <a:noFill/>
             </a:ln>
             <a:extLst>
-              <a:ext uri="{909E8E84-426E-40dd-AFC4-6F175D3DCCD1}">
+              <a:ext uri="{909E8E84-426E-40DD-AFC4-6F175D3DCCD1}">
                 <a14:hiddenFill xmlns:a14="http://schemas.microsoft.com/office/drawing/2010/main">
                   <a:solidFill>
                     <a:srgbClr val="FFFFFF"/>
                   </a:solidFill>
                 </a14:hiddenFill>
               </a:ext>
-              <a:ext uri="{91240B29-F687-4f45-9708-019B960494DF}">
+              <a:ext uri="{91240B29-F687-4F45-9708-019B960494DF}">
                 <a14:hiddenLine xmlns:a14="http://schemas.microsoft.com/office/drawing/2010/main" w="9525">
                   <a:solidFill>
                     <a:srgbClr val="000000"/>
@@ -6186,14 +6186,14 @@
           </a:ln>
           <a:effectLst/>
           <a:extLst>
-            <a:ext uri="{909E8E84-426E-40dd-AFC4-6F175D3DCCD1}">
+            <a:ext uri="{909E8E84-426E-40DD-AFC4-6F175D3DCCD1}">
               <a14:hiddenFill xmlns:a14="http://schemas.microsoft.com/office/drawing/2010/main">
                 <a:solidFill>
                   <a:schemeClr val="accent1"/>
                 </a:solidFill>
               </a14:hiddenFill>
             </a:ext>
-            <a:ext uri="{91240B29-F687-4f45-9708-019B960494DF}">
+            <a:ext uri="{91240B29-F687-4F45-9708-019B960494DF}">
               <a14:hiddenLine xmlns:a14="http://schemas.microsoft.com/office/drawing/2010/main" w="9525">
                 <a:solidFill>
                   <a:schemeClr val="tx1"/>
@@ -6203,7 +6203,7 @@
                 <a:tailEnd/>
               </a14:hiddenLine>
             </a:ext>
-            <a:ext uri="{AF507438-7753-43e0-B8FC-AC1667EBCBE1}">
+            <a:ext uri="{AF507438-7753-43E0-B8FC-AC1667EBCBE1}">
               <a14:hiddenEffects xmlns:a14="http://schemas.microsoft.com/office/drawing/2010/main">
                 <a:effectLst>
                   <a:outerShdw dist="35921" dir="2700000" algn="ctr" rotWithShape="0">
@@ -6250,14 +6250,14 @@
           </a:ln>
           <a:effectLst/>
           <a:extLst>
-            <a:ext uri="{909E8E84-426E-40dd-AFC4-6F175D3DCCD1}">
+            <a:ext uri="{909E8E84-426E-40DD-AFC4-6F175D3DCCD1}">
               <a14:hiddenFill xmlns:a14="http://schemas.microsoft.com/office/drawing/2010/main">
                 <a:solidFill>
                   <a:schemeClr val="accent1"/>
                 </a:solidFill>
               </a14:hiddenFill>
             </a:ext>
-            <a:ext uri="{91240B29-F687-4f45-9708-019B960494DF}">
+            <a:ext uri="{91240B29-F687-4F45-9708-019B960494DF}">
               <a14:hiddenLine xmlns:a14="http://schemas.microsoft.com/office/drawing/2010/main" w="9525">
                 <a:solidFill>
                   <a:schemeClr val="tx1"/>
@@ -6267,7 +6267,7 @@
                 <a:tailEnd/>
               </a14:hiddenLine>
             </a:ext>
-            <a:ext uri="{AF507438-7753-43e0-B8FC-AC1667EBCBE1}">
+            <a:ext uri="{AF507438-7753-43E0-B8FC-AC1667EBCBE1}">
               <a14:hiddenEffects xmlns:a14="http://schemas.microsoft.com/office/drawing/2010/main">
                 <a:effectLst>
                   <a:outerShdw dist="35921" dir="2700000" algn="ctr" rotWithShape="0">
@@ -6314,14 +6314,14 @@
           </a:ln>
           <a:effectLst/>
           <a:extLst>
-            <a:ext uri="{909E8E84-426E-40dd-AFC4-6F175D3DCCD1}">
+            <a:ext uri="{909E8E84-426E-40DD-AFC4-6F175D3DCCD1}">
               <a14:hiddenFill xmlns:a14="http://schemas.microsoft.com/office/drawing/2010/main">
                 <a:solidFill>
                   <a:schemeClr val="accent1"/>
                 </a:solidFill>
               </a14:hiddenFill>
             </a:ext>
-            <a:ext uri="{91240B29-F687-4f45-9708-019B960494DF}">
+            <a:ext uri="{91240B29-F687-4F45-9708-019B960494DF}">
               <a14:hiddenLine xmlns:a14="http://schemas.microsoft.com/office/drawing/2010/main" w="9525">
                 <a:solidFill>
                   <a:schemeClr val="tx1"/>
@@ -6331,7 +6331,7 @@
                 <a:tailEnd/>
               </a14:hiddenLine>
             </a:ext>
-            <a:ext uri="{AF507438-7753-43e0-B8FC-AC1667EBCBE1}">
+            <a:ext uri="{AF507438-7753-43E0-B8FC-AC1667EBCBE1}">
               <a14:hiddenEffects xmlns:a14="http://schemas.microsoft.com/office/drawing/2010/main">
                 <a:effectLst>
                   <a:outerShdw dist="35921" dir="2700000" algn="ctr" rotWithShape="0">
@@ -6764,14 +6764,14 @@
           </a:ln>
           <a:effectLst/>
           <a:extLst>
-            <a:ext uri="{909E8E84-426E-40dd-AFC4-6F175D3DCCD1}">
+            <a:ext uri="{909E8E84-426E-40DD-AFC4-6F175D3DCCD1}">
               <a14:hiddenFill xmlns:a14="http://schemas.microsoft.com/office/drawing/2010/main">
                 <a:solidFill>
                   <a:schemeClr val="accent1"/>
                 </a:solidFill>
               </a14:hiddenFill>
             </a:ext>
-            <a:ext uri="{91240B29-F687-4f45-9708-019B960494DF}">
+            <a:ext uri="{91240B29-F687-4F45-9708-019B960494DF}">
               <a14:hiddenLine xmlns:a14="http://schemas.microsoft.com/office/drawing/2010/main" w="9525">
                 <a:solidFill>
                   <a:schemeClr val="tx1"/>
@@ -6781,7 +6781,7 @@
                 <a:tailEnd/>
               </a14:hiddenLine>
             </a:ext>
-            <a:ext uri="{AF507438-7753-43e0-B8FC-AC1667EBCBE1}">
+            <a:ext uri="{AF507438-7753-43E0-B8FC-AC1667EBCBE1}">
               <a14:hiddenEffects xmlns:a14="http://schemas.microsoft.com/office/drawing/2010/main">
                 <a:effectLst>
                   <a:outerShdw dist="35921" dir="2700000" algn="ctr" rotWithShape="0">
@@ -8851,7 +8851,7 @@
   <p:timing>
     <p:tnLst>
       <p:par>
-        <p:cTn xmlns:p14="http://schemas.microsoft.com/office/powerpoint/2010/main" id="1" dur="indefinite" restart="never" nodeType="tmRoot"/>
+        <p:cTn id="1" dur="indefinite" restart="never" nodeType="tmRoot"/>
       </p:par>
     </p:tnLst>
   </p:timing>
@@ -9171,14 +9171,14 @@
           </a:ln>
           <a:effectLst/>
           <a:extLst>
-            <a:ext uri="{909E8E84-426E-40dd-AFC4-6F175D3DCCD1}">
+            <a:ext uri="{909E8E84-426E-40DD-AFC4-6F175D3DCCD1}">
               <a14:hiddenFill xmlns:a14="http://schemas.microsoft.com/office/drawing/2010/main">
                 <a:solidFill>
                   <a:schemeClr val="accent1"/>
                 </a:solidFill>
               </a14:hiddenFill>
             </a:ext>
-            <a:ext uri="{AF507438-7753-43e0-B8FC-AC1667EBCBE1}">
+            <a:ext uri="{AF507438-7753-43E0-B8FC-AC1667EBCBE1}">
               <a14:hiddenEffects xmlns:a14="http://schemas.microsoft.com/office/drawing/2010/main">
                 <a:effectLst>
                   <a:outerShdw dist="35921" dir="2700000" algn="ctr" rotWithShape="0">
@@ -9473,14 +9473,14 @@
             </a:ln>
             <a:effectLst/>
             <a:extLst>
-              <a:ext uri="{909E8E84-426E-40dd-AFC4-6F175D3DCCD1}">
+              <a:ext uri="{909E8E84-426E-40DD-AFC4-6F175D3DCCD1}">
                 <a14:hiddenFill xmlns:a14="http://schemas.microsoft.com/office/drawing/2010/main">
                   <a:solidFill>
                     <a:schemeClr val="accent1"/>
                   </a:solidFill>
                 </a14:hiddenFill>
               </a:ext>
-              <a:ext uri="{91240B29-F687-4f45-9708-019B960494DF}">
+              <a:ext uri="{91240B29-F687-4F45-9708-019B960494DF}">
                 <a14:hiddenLine xmlns:a14="http://schemas.microsoft.com/office/drawing/2010/main" w="9525">
                   <a:solidFill>
                     <a:schemeClr val="tx1"/>
@@ -9490,7 +9490,7 @@
                   <a:tailEnd/>
                 </a14:hiddenLine>
               </a:ext>
-              <a:ext uri="{AF507438-7753-43e0-B8FC-AC1667EBCBE1}">
+              <a:ext uri="{AF507438-7753-43E0-B8FC-AC1667EBCBE1}">
                 <a14:hiddenEffects xmlns:a14="http://schemas.microsoft.com/office/drawing/2010/main">
                   <a:effectLst>
                     <a:outerShdw dist="35921" dir="2700000" algn="ctr" rotWithShape="0">
@@ -9537,14 +9537,14 @@
             </a:ln>
             <a:effectLst/>
             <a:extLst>
-              <a:ext uri="{909E8E84-426E-40dd-AFC4-6F175D3DCCD1}">
+              <a:ext uri="{909E8E84-426E-40DD-AFC4-6F175D3DCCD1}">
                 <a14:hiddenFill xmlns:a14="http://schemas.microsoft.com/office/drawing/2010/main">
                   <a:solidFill>
                     <a:schemeClr val="accent1"/>
                   </a:solidFill>
                 </a14:hiddenFill>
               </a:ext>
-              <a:ext uri="{91240B29-F687-4f45-9708-019B960494DF}">
+              <a:ext uri="{91240B29-F687-4F45-9708-019B960494DF}">
                 <a14:hiddenLine xmlns:a14="http://schemas.microsoft.com/office/drawing/2010/main" w="9525">
                   <a:solidFill>
                     <a:schemeClr val="tx1"/>
@@ -9554,7 +9554,7 @@
                   <a:tailEnd/>
                 </a14:hiddenLine>
               </a:ext>
-              <a:ext uri="{AF507438-7753-43e0-B8FC-AC1667EBCBE1}">
+              <a:ext uri="{AF507438-7753-43E0-B8FC-AC1667EBCBE1}">
                 <a14:hiddenEffects xmlns:a14="http://schemas.microsoft.com/office/drawing/2010/main">
                   <a:effectLst>
                     <a:outerShdw dist="35921" dir="2700000" algn="ctr" rotWithShape="0">
@@ -9600,14 +9600,14 @@
               <a:noFill/>
             </a:ln>
             <a:extLst>
-              <a:ext uri="{909E8E84-426E-40dd-AFC4-6F175D3DCCD1}">
+              <a:ext uri="{909E8E84-426E-40DD-AFC4-6F175D3DCCD1}">
                 <a14:hiddenFill xmlns:a14="http://schemas.microsoft.com/office/drawing/2010/main">
                   <a:solidFill>
                     <a:srgbClr val="FFFFFF"/>
                   </a:solidFill>
                 </a14:hiddenFill>
               </a:ext>
-              <a:ext uri="{91240B29-F687-4f45-9708-019B960494DF}">
+              <a:ext uri="{91240B29-F687-4F45-9708-019B960494DF}">
                 <a14:hiddenLine xmlns:a14="http://schemas.microsoft.com/office/drawing/2010/main" w="9525">
                   <a:solidFill>
                     <a:srgbClr val="000000"/>
@@ -9869,14 +9869,14 @@
             <a:noFill/>
           </a:ln>
           <a:extLst>
-            <a:ext uri="{909E8E84-426E-40dd-AFC4-6F175D3DCCD1}">
+            <a:ext uri="{909E8E84-426E-40DD-AFC4-6F175D3DCCD1}">
               <a14:hiddenFill xmlns:a14="http://schemas.microsoft.com/office/drawing/2010/main">
                 <a:solidFill>
                   <a:schemeClr val="accent1"/>
                 </a:solidFill>
               </a14:hiddenFill>
             </a:ext>
-            <a:ext uri="{91240B29-F687-4f45-9708-019B960494DF}">
+            <a:ext uri="{91240B29-F687-4F45-9708-019B960494DF}">
               <a14:hiddenLine xmlns:a14="http://schemas.microsoft.com/office/drawing/2010/main" w="9525">
                 <a:solidFill>
                   <a:schemeClr val="tx1"/>
@@ -10197,14 +10197,14 @@
           </a:ln>
           <a:effectLst/>
           <a:extLst>
-            <a:ext uri="{909E8E84-426E-40dd-AFC4-6F175D3DCCD1}">
+            <a:ext uri="{909E8E84-426E-40DD-AFC4-6F175D3DCCD1}">
               <a14:hiddenFill xmlns:a14="http://schemas.microsoft.com/office/drawing/2010/main">
                 <a:solidFill>
                   <a:schemeClr val="accent1"/>
                 </a:solidFill>
               </a14:hiddenFill>
             </a:ext>
-            <a:ext uri="{91240B29-F687-4f45-9708-019B960494DF}">
+            <a:ext uri="{91240B29-F687-4F45-9708-019B960494DF}">
               <a14:hiddenLine xmlns:a14="http://schemas.microsoft.com/office/drawing/2010/main" w="9525">
                 <a:solidFill>
                   <a:schemeClr val="tx1"/>
@@ -10214,7 +10214,7 @@
                 <a:tailEnd/>
               </a14:hiddenLine>
             </a:ext>
-            <a:ext uri="{AF507438-7753-43e0-B8FC-AC1667EBCBE1}">
+            <a:ext uri="{AF507438-7753-43E0-B8FC-AC1667EBCBE1}">
               <a14:hiddenEffects xmlns:a14="http://schemas.microsoft.com/office/drawing/2010/main">
                 <a:effectLst>
                   <a:outerShdw dist="35921" dir="2700000" algn="ctr" rotWithShape="0">
@@ -10275,14 +10275,14 @@
             </a:ln>
             <a:effectLst/>
             <a:extLst>
-              <a:ext uri="{909E8E84-426E-40dd-AFC4-6F175D3DCCD1}">
+              <a:ext uri="{909E8E84-426E-40DD-AFC4-6F175D3DCCD1}">
                 <a14:hiddenFill xmlns:a14="http://schemas.microsoft.com/office/drawing/2010/main">
                   <a:solidFill>
                     <a:schemeClr val="accent1"/>
                   </a:solidFill>
                 </a14:hiddenFill>
               </a:ext>
-              <a:ext uri="{91240B29-F687-4f45-9708-019B960494DF}">
+              <a:ext uri="{91240B29-F687-4F45-9708-019B960494DF}">
                 <a14:hiddenLine xmlns:a14="http://schemas.microsoft.com/office/drawing/2010/main" w="9525">
                   <a:solidFill>
                     <a:schemeClr val="tx1"/>
@@ -10292,7 +10292,7 @@
                   <a:tailEnd/>
                 </a14:hiddenLine>
               </a:ext>
-              <a:ext uri="{AF507438-7753-43e0-B8FC-AC1667EBCBE1}">
+              <a:ext uri="{AF507438-7753-43E0-B8FC-AC1667EBCBE1}">
                 <a14:hiddenEffects xmlns:a14="http://schemas.microsoft.com/office/drawing/2010/main">
                   <a:effectLst>
                     <a:outerShdw dist="35921" dir="2700000" algn="ctr" rotWithShape="0">
@@ -10339,14 +10339,14 @@
             </a:ln>
             <a:effectLst/>
             <a:extLst>
-              <a:ext uri="{909E8E84-426E-40dd-AFC4-6F175D3DCCD1}">
+              <a:ext uri="{909E8E84-426E-40DD-AFC4-6F175D3DCCD1}">
                 <a14:hiddenFill xmlns:a14="http://schemas.microsoft.com/office/drawing/2010/main">
                   <a:solidFill>
                     <a:schemeClr val="accent1"/>
                   </a:solidFill>
                 </a14:hiddenFill>
               </a:ext>
-              <a:ext uri="{91240B29-F687-4f45-9708-019B960494DF}">
+              <a:ext uri="{91240B29-F687-4F45-9708-019B960494DF}">
                 <a14:hiddenLine xmlns:a14="http://schemas.microsoft.com/office/drawing/2010/main" w="9525">
                   <a:solidFill>
                     <a:schemeClr val="tx1"/>
@@ -10356,7 +10356,7 @@
                   <a:tailEnd/>
                 </a14:hiddenLine>
               </a:ext>
-              <a:ext uri="{AF507438-7753-43e0-B8FC-AC1667EBCBE1}">
+              <a:ext uri="{AF507438-7753-43E0-B8FC-AC1667EBCBE1}">
                 <a14:hiddenEffects xmlns:a14="http://schemas.microsoft.com/office/drawing/2010/main">
                   <a:effectLst>
                     <a:outerShdw dist="35921" dir="2700000" algn="ctr" rotWithShape="0">
@@ -10402,14 +10402,14 @@
               <a:noFill/>
             </a:ln>
             <a:extLst>
-              <a:ext uri="{909E8E84-426E-40dd-AFC4-6F175D3DCCD1}">
+              <a:ext uri="{909E8E84-426E-40DD-AFC4-6F175D3DCCD1}">
                 <a14:hiddenFill xmlns:a14="http://schemas.microsoft.com/office/drawing/2010/main">
                   <a:solidFill>
                     <a:srgbClr val="FFFFFF"/>
                   </a:solidFill>
                 </a14:hiddenFill>
               </a:ext>
-              <a:ext uri="{91240B29-F687-4f45-9708-019B960494DF}">
+              <a:ext uri="{91240B29-F687-4F45-9708-019B960494DF}">
                 <a14:hiddenLine xmlns:a14="http://schemas.microsoft.com/office/drawing/2010/main" w="9525">
                   <a:solidFill>
                     <a:srgbClr val="000000"/>
@@ -10821,14 +10821,14 @@
           </a:ln>
           <a:effectLst/>
           <a:extLst>
-            <a:ext uri="{909E8E84-426E-40dd-AFC4-6F175D3DCCD1}">
+            <a:ext uri="{909E8E84-426E-40DD-AFC4-6F175D3DCCD1}">
               <a14:hiddenFill xmlns:a14="http://schemas.microsoft.com/office/drawing/2010/main">
                 <a:solidFill>
                   <a:schemeClr val="accent1"/>
                 </a:solidFill>
               </a14:hiddenFill>
             </a:ext>
-            <a:ext uri="{91240B29-F687-4f45-9708-019B960494DF}">
+            <a:ext uri="{91240B29-F687-4F45-9708-019B960494DF}">
               <a14:hiddenLine xmlns:a14="http://schemas.microsoft.com/office/drawing/2010/main" w="9525">
                 <a:solidFill>
                   <a:schemeClr val="tx1"/>
@@ -10838,7 +10838,7 @@
                 <a:tailEnd/>
               </a14:hiddenLine>
             </a:ext>
-            <a:ext uri="{AF507438-7753-43e0-B8FC-AC1667EBCBE1}">
+            <a:ext uri="{AF507438-7753-43E0-B8FC-AC1667EBCBE1}">
               <a14:hiddenEffects xmlns:a14="http://schemas.microsoft.com/office/drawing/2010/main">
                 <a:effectLst>
                   <a:outerShdw dist="35921" dir="2700000" algn="ctr" rotWithShape="0">
@@ -10885,14 +10885,14 @@
           </a:ln>
           <a:effectLst/>
           <a:extLst>
-            <a:ext uri="{909E8E84-426E-40dd-AFC4-6F175D3DCCD1}">
+            <a:ext uri="{909E8E84-426E-40DD-AFC4-6F175D3DCCD1}">
               <a14:hiddenFill xmlns:a14="http://schemas.microsoft.com/office/drawing/2010/main">
                 <a:solidFill>
                   <a:schemeClr val="accent1"/>
                 </a:solidFill>
               </a14:hiddenFill>
             </a:ext>
-            <a:ext uri="{91240B29-F687-4f45-9708-019B960494DF}">
+            <a:ext uri="{91240B29-F687-4F45-9708-019B960494DF}">
               <a14:hiddenLine xmlns:a14="http://schemas.microsoft.com/office/drawing/2010/main" w="9525">
                 <a:solidFill>
                   <a:schemeClr val="tx1"/>
@@ -10902,7 +10902,7 @@
                 <a:tailEnd/>
               </a14:hiddenLine>
             </a:ext>
-            <a:ext uri="{AF507438-7753-43e0-B8FC-AC1667EBCBE1}">
+            <a:ext uri="{AF507438-7753-43E0-B8FC-AC1667EBCBE1}">
               <a14:hiddenEffects xmlns:a14="http://schemas.microsoft.com/office/drawing/2010/main">
                 <a:effectLst>
                   <a:outerShdw dist="35921" dir="2700000" algn="ctr" rotWithShape="0">
@@ -10963,14 +10963,14 @@
             </a:ln>
             <a:effectLst/>
             <a:extLst>
-              <a:ext uri="{909E8E84-426E-40dd-AFC4-6F175D3DCCD1}">
+              <a:ext uri="{909E8E84-426E-40DD-AFC4-6F175D3DCCD1}">
                 <a14:hiddenFill xmlns:a14="http://schemas.microsoft.com/office/drawing/2010/main">
                   <a:solidFill>
                     <a:schemeClr val="accent1"/>
                   </a:solidFill>
                 </a14:hiddenFill>
               </a:ext>
-              <a:ext uri="{91240B29-F687-4f45-9708-019B960494DF}">
+              <a:ext uri="{91240B29-F687-4F45-9708-019B960494DF}">
                 <a14:hiddenLine xmlns:a14="http://schemas.microsoft.com/office/drawing/2010/main" w="9525">
                   <a:solidFill>
                     <a:schemeClr val="tx1"/>
@@ -10980,7 +10980,7 @@
                   <a:tailEnd/>
                 </a14:hiddenLine>
               </a:ext>
-              <a:ext uri="{AF507438-7753-43e0-B8FC-AC1667EBCBE1}">
+              <a:ext uri="{AF507438-7753-43E0-B8FC-AC1667EBCBE1}">
                 <a14:hiddenEffects xmlns:a14="http://schemas.microsoft.com/office/drawing/2010/main">
                   <a:effectLst>
                     <a:outerShdw dist="35921" dir="2700000" algn="ctr" rotWithShape="0">
@@ -11027,14 +11027,14 @@
             </a:ln>
             <a:effectLst/>
             <a:extLst>
-              <a:ext uri="{909E8E84-426E-40dd-AFC4-6F175D3DCCD1}">
+              <a:ext uri="{909E8E84-426E-40DD-AFC4-6F175D3DCCD1}">
                 <a14:hiddenFill xmlns:a14="http://schemas.microsoft.com/office/drawing/2010/main">
                   <a:solidFill>
                     <a:schemeClr val="accent1"/>
                   </a:solidFill>
                 </a14:hiddenFill>
               </a:ext>
-              <a:ext uri="{91240B29-F687-4f45-9708-019B960494DF}">
+              <a:ext uri="{91240B29-F687-4F45-9708-019B960494DF}">
                 <a14:hiddenLine xmlns:a14="http://schemas.microsoft.com/office/drawing/2010/main" w="9525">
                   <a:solidFill>
                     <a:schemeClr val="tx1"/>
@@ -11044,7 +11044,7 @@
                   <a:tailEnd/>
                 </a14:hiddenLine>
               </a:ext>
-              <a:ext uri="{AF507438-7753-43e0-B8FC-AC1667EBCBE1}">
+              <a:ext uri="{AF507438-7753-43E0-B8FC-AC1667EBCBE1}">
                 <a14:hiddenEffects xmlns:a14="http://schemas.microsoft.com/office/drawing/2010/main">
                   <a:effectLst>
                     <a:outerShdw dist="35921" dir="2700000" algn="ctr" rotWithShape="0">
@@ -11090,14 +11090,14 @@
               <a:noFill/>
             </a:ln>
             <a:extLst>
-              <a:ext uri="{909E8E84-426E-40dd-AFC4-6F175D3DCCD1}">
+              <a:ext uri="{909E8E84-426E-40DD-AFC4-6F175D3DCCD1}">
                 <a14:hiddenFill xmlns:a14="http://schemas.microsoft.com/office/drawing/2010/main">
                   <a:solidFill>
                     <a:srgbClr val="FFFFFF"/>
                   </a:solidFill>
                 </a14:hiddenFill>
               </a:ext>
-              <a:ext uri="{91240B29-F687-4f45-9708-019B960494DF}">
+              <a:ext uri="{91240B29-F687-4F45-9708-019B960494DF}">
                 <a14:hiddenLine xmlns:a14="http://schemas.microsoft.com/office/drawing/2010/main" w="9525">
                   <a:solidFill>
                     <a:srgbClr val="000000"/>
@@ -11567,14 +11567,14 @@
             </a:ln>
             <a:effectLst/>
             <a:extLst>
-              <a:ext uri="{909E8E84-426E-40dd-AFC4-6F175D3DCCD1}">
+              <a:ext uri="{909E8E84-426E-40DD-AFC4-6F175D3DCCD1}">
                 <a14:hiddenFill xmlns:a14="http://schemas.microsoft.com/office/drawing/2010/main">
                   <a:solidFill>
                     <a:schemeClr val="accent1"/>
                   </a:solidFill>
                 </a14:hiddenFill>
               </a:ext>
-              <a:ext uri="{91240B29-F687-4f45-9708-019B960494DF}">
+              <a:ext uri="{91240B29-F687-4F45-9708-019B960494DF}">
                 <a14:hiddenLine xmlns:a14="http://schemas.microsoft.com/office/drawing/2010/main" w="9525">
                   <a:solidFill>
                     <a:schemeClr val="tx1"/>
@@ -11584,7 +11584,7 @@
                   <a:tailEnd/>
                 </a14:hiddenLine>
               </a:ext>
-              <a:ext uri="{AF507438-7753-43e0-B8FC-AC1667EBCBE1}">
+              <a:ext uri="{AF507438-7753-43E0-B8FC-AC1667EBCBE1}">
                 <a14:hiddenEffects xmlns:a14="http://schemas.microsoft.com/office/drawing/2010/main">
                   <a:effectLst>
                     <a:outerShdw dist="35921" dir="2700000" algn="ctr" rotWithShape="0">
@@ -11631,14 +11631,14 @@
             </a:ln>
             <a:effectLst/>
             <a:extLst>
-              <a:ext uri="{909E8E84-426E-40dd-AFC4-6F175D3DCCD1}">
+              <a:ext uri="{909E8E84-426E-40DD-AFC4-6F175D3DCCD1}">
                 <a14:hiddenFill xmlns:a14="http://schemas.microsoft.com/office/drawing/2010/main">
                   <a:solidFill>
                     <a:schemeClr val="accent1"/>
                   </a:solidFill>
                 </a14:hiddenFill>
               </a:ext>
-              <a:ext uri="{91240B29-F687-4f45-9708-019B960494DF}">
+              <a:ext uri="{91240B29-F687-4F45-9708-019B960494DF}">
                 <a14:hiddenLine xmlns:a14="http://schemas.microsoft.com/office/drawing/2010/main" w="9525">
                   <a:solidFill>
                     <a:schemeClr val="tx1"/>
@@ -11648,7 +11648,7 @@
                   <a:tailEnd/>
                 </a14:hiddenLine>
               </a:ext>
-              <a:ext uri="{AF507438-7753-43e0-B8FC-AC1667EBCBE1}">
+              <a:ext uri="{AF507438-7753-43E0-B8FC-AC1667EBCBE1}">
                 <a14:hiddenEffects xmlns:a14="http://schemas.microsoft.com/office/drawing/2010/main">
                   <a:effectLst>
                     <a:outerShdw dist="35921" dir="2700000" algn="ctr" rotWithShape="0">
@@ -11694,14 +11694,14 @@
               <a:noFill/>
             </a:ln>
             <a:extLst>
-              <a:ext uri="{909E8E84-426E-40dd-AFC4-6F175D3DCCD1}">
+              <a:ext uri="{909E8E84-426E-40DD-AFC4-6F175D3DCCD1}">
                 <a14:hiddenFill xmlns:a14="http://schemas.microsoft.com/office/drawing/2010/main">
                   <a:solidFill>
                     <a:srgbClr val="FFFFFF"/>
                   </a:solidFill>
                 </a14:hiddenFill>
               </a:ext>
-              <a:ext uri="{91240B29-F687-4f45-9708-019B960494DF}">
+              <a:ext uri="{91240B29-F687-4F45-9708-019B960494DF}">
                 <a14:hiddenLine xmlns:a14="http://schemas.microsoft.com/office/drawing/2010/main" w="9525">
                   <a:solidFill>
                     <a:srgbClr val="000000"/>
@@ -12041,14 +12041,14 @@
           </a:ln>
           <a:effectLst/>
           <a:extLst>
-            <a:ext uri="{909E8E84-426E-40dd-AFC4-6F175D3DCCD1}">
+            <a:ext uri="{909E8E84-426E-40DD-AFC4-6F175D3DCCD1}">
               <a14:hiddenFill xmlns:a14="http://schemas.microsoft.com/office/drawing/2010/main">
                 <a:solidFill>
                   <a:schemeClr val="accent1"/>
                 </a:solidFill>
               </a14:hiddenFill>
             </a:ext>
-            <a:ext uri="{91240B29-F687-4f45-9708-019B960494DF}">
+            <a:ext uri="{91240B29-F687-4F45-9708-019B960494DF}">
               <a14:hiddenLine xmlns:a14="http://schemas.microsoft.com/office/drawing/2010/main" w="9525">
                 <a:solidFill>
                   <a:schemeClr val="tx1"/>
@@ -12058,7 +12058,7 @@
                 <a:tailEnd/>
               </a14:hiddenLine>
             </a:ext>
-            <a:ext uri="{AF507438-7753-43e0-B8FC-AC1667EBCBE1}">
+            <a:ext uri="{AF507438-7753-43E0-B8FC-AC1667EBCBE1}">
               <a14:hiddenEffects xmlns:a14="http://schemas.microsoft.com/office/drawing/2010/main">
                 <a:effectLst>
                   <a:outerShdw dist="35921" dir="2700000" algn="ctr" rotWithShape="0">
@@ -12293,14 +12293,14 @@
             <a:noFill/>
           </a:ln>
           <a:extLst>
-            <a:ext uri="{909E8E84-426E-40dd-AFC4-6F175D3DCCD1}">
+            <a:ext uri="{909E8E84-426E-40DD-AFC4-6F175D3DCCD1}">
               <a14:hiddenFill xmlns:a14="http://schemas.microsoft.com/office/drawing/2010/main">
                 <a:solidFill>
                   <a:schemeClr val="accent1"/>
                 </a:solidFill>
               </a14:hiddenFill>
             </a:ext>
-            <a:ext uri="{91240B29-F687-4f45-9708-019B960494DF}">
+            <a:ext uri="{91240B29-F687-4F45-9708-019B960494DF}">
               <a14:hiddenLine xmlns:a14="http://schemas.microsoft.com/office/drawing/2010/main" w="9525">
                 <a:solidFill>
                   <a:schemeClr val="tx1"/>
@@ -12347,14 +12347,14 @@
             <a:noFill/>
           </a:ln>
           <a:extLst>
-            <a:ext uri="{909E8E84-426E-40dd-AFC4-6F175D3DCCD1}">
+            <a:ext uri="{909E8E84-426E-40DD-AFC4-6F175D3DCCD1}">
               <a14:hiddenFill xmlns:a14="http://schemas.microsoft.com/office/drawing/2010/main">
                 <a:solidFill>
                   <a:schemeClr val="accent1"/>
                 </a:solidFill>
               </a14:hiddenFill>
             </a:ext>
-            <a:ext uri="{91240B29-F687-4f45-9708-019B960494DF}">
+            <a:ext uri="{91240B29-F687-4F45-9708-019B960494DF}">
               <a14:hiddenLine xmlns:a14="http://schemas.microsoft.com/office/drawing/2010/main" w="9525">
                 <a:solidFill>
                   <a:schemeClr val="tx1"/>
@@ -12401,14 +12401,14 @@
             <a:noFill/>
           </a:ln>
           <a:extLst>
-            <a:ext uri="{909E8E84-426E-40dd-AFC4-6F175D3DCCD1}">
+            <a:ext uri="{909E8E84-426E-40DD-AFC4-6F175D3DCCD1}">
               <a14:hiddenFill xmlns:a14="http://schemas.microsoft.com/office/drawing/2010/main">
                 <a:solidFill>
                   <a:schemeClr val="accent1"/>
                 </a:solidFill>
               </a14:hiddenFill>
             </a:ext>
-            <a:ext uri="{91240B29-F687-4f45-9708-019B960494DF}">
+            <a:ext uri="{91240B29-F687-4F45-9708-019B960494DF}">
               <a14:hiddenLine xmlns:a14="http://schemas.microsoft.com/office/drawing/2010/main" w="9525">
                 <a:solidFill>
                   <a:schemeClr val="tx1"/>
@@ -12455,14 +12455,14 @@
             <a:noFill/>
           </a:ln>
           <a:extLst>
-            <a:ext uri="{909E8E84-426E-40dd-AFC4-6F175D3DCCD1}">
+            <a:ext uri="{909E8E84-426E-40DD-AFC4-6F175D3DCCD1}">
               <a14:hiddenFill xmlns:a14="http://schemas.microsoft.com/office/drawing/2010/main">
                 <a:solidFill>
                   <a:schemeClr val="accent1"/>
                 </a:solidFill>
               </a14:hiddenFill>
             </a:ext>
-            <a:ext uri="{91240B29-F687-4f45-9708-019B960494DF}">
+            <a:ext uri="{91240B29-F687-4F45-9708-019B960494DF}">
               <a14:hiddenLine xmlns:a14="http://schemas.microsoft.com/office/drawing/2010/main" w="9525">
                 <a:solidFill>
                   <a:schemeClr val="tx1"/>
@@ -12509,14 +12509,14 @@
             <a:noFill/>
           </a:ln>
           <a:extLst>
-            <a:ext uri="{909E8E84-426E-40dd-AFC4-6F175D3DCCD1}">
+            <a:ext uri="{909E8E84-426E-40DD-AFC4-6F175D3DCCD1}">
               <a14:hiddenFill xmlns:a14="http://schemas.microsoft.com/office/drawing/2010/main">
                 <a:solidFill>
                   <a:schemeClr val="accent1"/>
                 </a:solidFill>
               </a14:hiddenFill>
             </a:ext>
-            <a:ext uri="{91240B29-F687-4f45-9708-019B960494DF}">
+            <a:ext uri="{91240B29-F687-4F45-9708-019B960494DF}">
               <a14:hiddenLine xmlns:a14="http://schemas.microsoft.com/office/drawing/2010/main" w="9525">
                 <a:solidFill>
                   <a:schemeClr val="tx1"/>
@@ -12563,14 +12563,14 @@
             <a:noFill/>
           </a:ln>
           <a:extLst>
-            <a:ext uri="{909E8E84-426E-40dd-AFC4-6F175D3DCCD1}">
+            <a:ext uri="{909E8E84-426E-40DD-AFC4-6F175D3DCCD1}">
               <a14:hiddenFill xmlns:a14="http://schemas.microsoft.com/office/drawing/2010/main">
                 <a:solidFill>
                   <a:schemeClr val="accent1"/>
                 </a:solidFill>
               </a14:hiddenFill>
             </a:ext>
-            <a:ext uri="{91240B29-F687-4f45-9708-019B960494DF}">
+            <a:ext uri="{91240B29-F687-4F45-9708-019B960494DF}">
               <a14:hiddenLine xmlns:a14="http://schemas.microsoft.com/office/drawing/2010/main" w="9525">
                 <a:solidFill>
                   <a:schemeClr val="tx1"/>
@@ -12618,14 +12618,14 @@
           </a:ln>
           <a:effectLst/>
           <a:extLst>
-            <a:ext uri="{909E8E84-426E-40dd-AFC4-6F175D3DCCD1}">
+            <a:ext uri="{909E8E84-426E-40DD-AFC4-6F175D3DCCD1}">
               <a14:hiddenFill xmlns:a14="http://schemas.microsoft.com/office/drawing/2010/main">
                 <a:solidFill>
                   <a:schemeClr val="accent1"/>
                 </a:solidFill>
               </a14:hiddenFill>
             </a:ext>
-            <a:ext uri="{91240B29-F687-4f45-9708-019B960494DF}">
+            <a:ext uri="{91240B29-F687-4F45-9708-019B960494DF}">
               <a14:hiddenLine xmlns:a14="http://schemas.microsoft.com/office/drawing/2010/main" w="9525">
                 <a:solidFill>
                   <a:schemeClr val="tx1"/>
@@ -12635,7 +12635,7 @@
                 <a:tailEnd/>
               </a14:hiddenLine>
             </a:ext>
-            <a:ext uri="{AF507438-7753-43e0-B8FC-AC1667EBCBE1}">
+            <a:ext uri="{AF507438-7753-43E0-B8FC-AC1667EBCBE1}">
               <a14:hiddenEffects xmlns:a14="http://schemas.microsoft.com/office/drawing/2010/main">
                 <a:effectLst>
                   <a:outerShdw dist="35921" dir="2700000" algn="ctr" rotWithShape="0">
@@ -12660,7 +12660,7 @@
   <p:timing>
     <p:tnLst>
       <p:par>
-        <p:cTn xmlns:p14="http://schemas.microsoft.com/office/powerpoint/2010/main" id="1" dur="indefinite" restart="never" nodeType="tmRoot">
+        <p:cTn id="1" dur="indefinite" restart="never" nodeType="tmRoot">
           <p:childTnLst>
             <p:seq concurrent="1" nextAc="seek">
               <p:cTn id="2" dur="indefinite" nodeType="mainSeq">
@@ -14411,14 +14411,14 @@
           </a:ln>
           <a:effectLst/>
           <a:extLst>
-            <a:ext uri="{909E8E84-426E-40dd-AFC4-6F175D3DCCD1}">
+            <a:ext uri="{909E8E84-426E-40DD-AFC4-6F175D3DCCD1}">
               <a14:hiddenFill xmlns:a14="http://schemas.microsoft.com/office/drawing/2010/main">
                 <a:solidFill>
                   <a:schemeClr val="accent1"/>
                 </a:solidFill>
               </a14:hiddenFill>
             </a:ext>
-            <a:ext uri="{91240B29-F687-4f45-9708-019B960494DF}">
+            <a:ext uri="{91240B29-F687-4F45-9708-019B960494DF}">
               <a14:hiddenLine xmlns:a14="http://schemas.microsoft.com/office/drawing/2010/main" w="9525">
                 <a:solidFill>
                   <a:schemeClr val="tx1"/>
@@ -14428,7 +14428,7 @@
                 <a:tailEnd/>
               </a14:hiddenLine>
             </a:ext>
-            <a:ext uri="{AF507438-7753-43e0-B8FC-AC1667EBCBE1}">
+            <a:ext uri="{AF507438-7753-43E0-B8FC-AC1667EBCBE1}">
               <a14:hiddenEffects xmlns:a14="http://schemas.microsoft.com/office/drawing/2010/main">
                 <a:effectLst>
                   <a:outerShdw dist="35921" dir="2700000" algn="ctr" rotWithShape="0">
@@ -14570,14 +14570,14 @@
           </a:ln>
           <a:effectLst/>
           <a:extLst>
-            <a:ext uri="{909E8E84-426E-40dd-AFC4-6F175D3DCCD1}">
+            <a:ext uri="{909E8E84-426E-40DD-AFC4-6F175D3DCCD1}">
               <a14:hiddenFill xmlns:a14="http://schemas.microsoft.com/office/drawing/2010/main">
                 <a:solidFill>
                   <a:schemeClr val="accent1"/>
                 </a:solidFill>
               </a14:hiddenFill>
             </a:ext>
-            <a:ext uri="{91240B29-F687-4f45-9708-019B960494DF}">
+            <a:ext uri="{91240B29-F687-4F45-9708-019B960494DF}">
               <a14:hiddenLine xmlns:a14="http://schemas.microsoft.com/office/drawing/2010/main" w="9525">
                 <a:solidFill>
                   <a:schemeClr val="tx1"/>
@@ -14587,7 +14587,7 @@
                 <a:tailEnd/>
               </a14:hiddenLine>
             </a:ext>
-            <a:ext uri="{AF507438-7753-43e0-B8FC-AC1667EBCBE1}">
+            <a:ext uri="{AF507438-7753-43E0-B8FC-AC1667EBCBE1}">
               <a14:hiddenEffects xmlns:a14="http://schemas.microsoft.com/office/drawing/2010/main">
                 <a:effectLst>
                   <a:outerShdw dist="35921" dir="2700000" algn="ctr" rotWithShape="0">
@@ -14630,7 +14630,7 @@
           </a:prstGeom>
           <a:noFill/>
           <a:extLst>
-            <a:ext uri="{909E8E84-426E-40dd-AFC4-6F175D3DCCD1}">
+            <a:ext uri="{909E8E84-426E-40DD-AFC4-6F175D3DCCD1}">
               <a14:hiddenFill xmlns:a14="http://schemas.microsoft.com/office/drawing/2010/main">
                 <a:solidFill>
                   <a:srgbClr val="FFFFFF"/>
@@ -15125,7 +15125,7 @@
           </a:prstGeom>
           <a:noFill/>
           <a:extLst>
-            <a:ext uri="{909E8E84-426E-40dd-AFC4-6F175D3DCCD1}">
+            <a:ext uri="{909E8E84-426E-40DD-AFC4-6F175D3DCCD1}">
               <a14:hiddenFill xmlns:a14="http://schemas.microsoft.com/office/drawing/2010/main">
                 <a:solidFill>
                   <a:srgbClr val="FFFFFF"/>
@@ -15199,14 +15199,14 @@
           </a:ln>
           <a:effectLst/>
           <a:extLst>
-            <a:ext uri="{909E8E84-426E-40dd-AFC4-6F175D3DCCD1}">
+            <a:ext uri="{909E8E84-426E-40DD-AFC4-6F175D3DCCD1}">
               <a14:hiddenFill xmlns:a14="http://schemas.microsoft.com/office/drawing/2010/main">
                 <a:solidFill>
                   <a:schemeClr val="accent1"/>
                 </a:solidFill>
               </a14:hiddenFill>
             </a:ext>
-            <a:ext uri="{91240B29-F687-4f45-9708-019B960494DF}">
+            <a:ext uri="{91240B29-F687-4F45-9708-019B960494DF}">
               <a14:hiddenLine xmlns:a14="http://schemas.microsoft.com/office/drawing/2010/main" w="9525">
                 <a:solidFill>
                   <a:schemeClr val="tx1"/>
@@ -15216,7 +15216,7 @@
                 <a:tailEnd/>
               </a14:hiddenLine>
             </a:ext>
-            <a:ext uri="{AF507438-7753-43e0-B8FC-AC1667EBCBE1}">
+            <a:ext uri="{AF507438-7753-43E0-B8FC-AC1667EBCBE1}">
               <a14:hiddenEffects xmlns:a14="http://schemas.microsoft.com/office/drawing/2010/main">
                 <a:effectLst>
                   <a:outerShdw dist="35921" dir="2700000" algn="ctr" rotWithShape="0">
@@ -16924,14 +16924,14 @@
           </a:ln>
           <a:effectLst/>
           <a:extLst>
-            <a:ext uri="{909E8E84-426E-40dd-AFC4-6F175D3DCCD1}">
+            <a:ext uri="{909E8E84-426E-40DD-AFC4-6F175D3DCCD1}">
               <a14:hiddenFill xmlns:a14="http://schemas.microsoft.com/office/drawing/2010/main">
                 <a:solidFill>
                   <a:schemeClr val="accent1"/>
                 </a:solidFill>
               </a14:hiddenFill>
             </a:ext>
-            <a:ext uri="{91240B29-F687-4f45-9708-019B960494DF}">
+            <a:ext uri="{91240B29-F687-4F45-9708-019B960494DF}">
               <a14:hiddenLine xmlns:a14="http://schemas.microsoft.com/office/drawing/2010/main" w="9525">
                 <a:solidFill>
                   <a:schemeClr val="tx1"/>
@@ -16941,7 +16941,7 @@
                 <a:tailEnd/>
               </a14:hiddenLine>
             </a:ext>
-            <a:ext uri="{AF507438-7753-43e0-B8FC-AC1667EBCBE1}">
+            <a:ext uri="{AF507438-7753-43E0-B8FC-AC1667EBCBE1}">
               <a14:hiddenEffects xmlns:a14="http://schemas.microsoft.com/office/drawing/2010/main">
                 <a:effectLst>
                   <a:outerShdw dist="35921" dir="2700000" algn="ctr" rotWithShape="0">
@@ -16984,7 +16984,7 @@
           </a:prstGeom>
           <a:noFill/>
           <a:extLst>
-            <a:ext uri="{909E8E84-426E-40dd-AFC4-6F175D3DCCD1}">
+            <a:ext uri="{909E8E84-426E-40DD-AFC4-6F175D3DCCD1}">
               <a14:hiddenFill xmlns:a14="http://schemas.microsoft.com/office/drawing/2010/main">
                 <a:solidFill>
                   <a:srgbClr val="FFFFFF"/>
@@ -17345,14 +17345,14 @@
           </a:ln>
           <a:effectLst/>
           <a:extLst>
-            <a:ext uri="{909E8E84-426E-40dd-AFC4-6F175D3DCCD1}">
+            <a:ext uri="{909E8E84-426E-40DD-AFC4-6F175D3DCCD1}">
               <a14:hiddenFill xmlns:a14="http://schemas.microsoft.com/office/drawing/2010/main">
                 <a:solidFill>
                   <a:schemeClr val="accent1"/>
                 </a:solidFill>
               </a14:hiddenFill>
             </a:ext>
-            <a:ext uri="{91240B29-F687-4f45-9708-019B960494DF}">
+            <a:ext uri="{91240B29-F687-4F45-9708-019B960494DF}">
               <a14:hiddenLine xmlns:a14="http://schemas.microsoft.com/office/drawing/2010/main" w="9525">
                 <a:solidFill>
                   <a:schemeClr val="tx1"/>
@@ -17362,7 +17362,7 @@
                 <a:tailEnd/>
               </a14:hiddenLine>
             </a:ext>
-            <a:ext uri="{AF507438-7753-43e0-B8FC-AC1667EBCBE1}">
+            <a:ext uri="{AF507438-7753-43E0-B8FC-AC1667EBCBE1}">
               <a14:hiddenEffects xmlns:a14="http://schemas.microsoft.com/office/drawing/2010/main">
                 <a:effectLst>
                   <a:outerShdw dist="35921" dir="2700000" algn="ctr" rotWithShape="0">
@@ -17658,7 +17658,7 @@
           </a:prstGeom>
           <a:noFill/>
           <a:extLst>
-            <a:ext uri="{909E8E84-426E-40dd-AFC4-6F175D3DCCD1}">
+            <a:ext uri="{909E8E84-426E-40DD-AFC4-6F175D3DCCD1}">
               <a14:hiddenFill xmlns:a14="http://schemas.microsoft.com/office/drawing/2010/main">
                 <a:solidFill>
                   <a:srgbClr val="FFFFFF"/>
@@ -17717,14 +17717,14 @@
             </a:ln>
             <a:effectLst/>
             <a:extLst>
-              <a:ext uri="{909E8E84-426E-40dd-AFC4-6F175D3DCCD1}">
+              <a:ext uri="{909E8E84-426E-40DD-AFC4-6F175D3DCCD1}">
                 <a14:hiddenFill xmlns:a14="http://schemas.microsoft.com/office/drawing/2010/main">
                   <a:solidFill>
                     <a:schemeClr val="accent1"/>
                   </a:solidFill>
                 </a14:hiddenFill>
               </a:ext>
-              <a:ext uri="{91240B29-F687-4f45-9708-019B960494DF}">
+              <a:ext uri="{91240B29-F687-4F45-9708-019B960494DF}">
                 <a14:hiddenLine xmlns:a14="http://schemas.microsoft.com/office/drawing/2010/main" w="9525">
                   <a:solidFill>
                     <a:schemeClr val="tx1"/>
@@ -17734,7 +17734,7 @@
                   <a:tailEnd/>
                 </a14:hiddenLine>
               </a:ext>
-              <a:ext uri="{AF507438-7753-43e0-B8FC-AC1667EBCBE1}">
+              <a:ext uri="{AF507438-7753-43E0-B8FC-AC1667EBCBE1}">
                 <a14:hiddenEffects xmlns:a14="http://schemas.microsoft.com/office/drawing/2010/main">
                   <a:effectLst>
                     <a:outerShdw dist="35921" dir="2700000" algn="ctr" rotWithShape="0">
@@ -17781,14 +17781,14 @@
             </a:ln>
             <a:effectLst/>
             <a:extLst>
-              <a:ext uri="{909E8E84-426E-40dd-AFC4-6F175D3DCCD1}">
+              <a:ext uri="{909E8E84-426E-40DD-AFC4-6F175D3DCCD1}">
                 <a14:hiddenFill xmlns:a14="http://schemas.microsoft.com/office/drawing/2010/main">
                   <a:solidFill>
                     <a:schemeClr val="accent1"/>
                   </a:solidFill>
                 </a14:hiddenFill>
               </a:ext>
-              <a:ext uri="{91240B29-F687-4f45-9708-019B960494DF}">
+              <a:ext uri="{91240B29-F687-4F45-9708-019B960494DF}">
                 <a14:hiddenLine xmlns:a14="http://schemas.microsoft.com/office/drawing/2010/main" w="9525">
                   <a:solidFill>
                     <a:schemeClr val="tx1"/>
@@ -17798,7 +17798,7 @@
                   <a:tailEnd/>
                 </a14:hiddenLine>
               </a:ext>
-              <a:ext uri="{AF507438-7753-43e0-B8FC-AC1667EBCBE1}">
+              <a:ext uri="{AF507438-7753-43E0-B8FC-AC1667EBCBE1}">
                 <a14:hiddenEffects xmlns:a14="http://schemas.microsoft.com/office/drawing/2010/main">
                   <a:effectLst>
                     <a:outerShdw dist="35921" dir="2700000" algn="ctr" rotWithShape="0">
@@ -17844,14 +17844,14 @@
               <a:noFill/>
             </a:ln>
             <a:extLst>
-              <a:ext uri="{909E8E84-426E-40dd-AFC4-6F175D3DCCD1}">
+              <a:ext uri="{909E8E84-426E-40DD-AFC4-6F175D3DCCD1}">
                 <a14:hiddenFill xmlns:a14="http://schemas.microsoft.com/office/drawing/2010/main">
                   <a:solidFill>
                     <a:srgbClr val="FFFFFF"/>
                   </a:solidFill>
                 </a14:hiddenFill>
               </a:ext>
-              <a:ext uri="{91240B29-F687-4f45-9708-019B960494DF}">
+              <a:ext uri="{91240B29-F687-4F45-9708-019B960494DF}">
                 <a14:hiddenLine xmlns:a14="http://schemas.microsoft.com/office/drawing/2010/main" w="9525">
                   <a:solidFill>
                     <a:srgbClr val="000000"/>
@@ -17981,14 +17981,14 @@
           </a:ln>
           <a:effectLst/>
           <a:extLst>
-            <a:ext uri="{909E8E84-426E-40dd-AFC4-6F175D3DCCD1}">
+            <a:ext uri="{909E8E84-426E-40DD-AFC4-6F175D3DCCD1}">
               <a14:hiddenFill xmlns:a14="http://schemas.microsoft.com/office/drawing/2010/main">
                 <a:solidFill>
                   <a:schemeClr val="accent1"/>
                 </a:solidFill>
               </a14:hiddenFill>
             </a:ext>
-            <a:ext uri="{91240B29-F687-4f45-9708-019B960494DF}">
+            <a:ext uri="{91240B29-F687-4F45-9708-019B960494DF}">
               <a14:hiddenLine xmlns:a14="http://schemas.microsoft.com/office/drawing/2010/main" w="9525">
                 <a:solidFill>
                   <a:schemeClr val="tx1"/>
@@ -17998,7 +17998,7 @@
                 <a:tailEnd/>
               </a14:hiddenLine>
             </a:ext>
-            <a:ext uri="{AF507438-7753-43e0-B8FC-AC1667EBCBE1}">
+            <a:ext uri="{AF507438-7753-43E0-B8FC-AC1667EBCBE1}">
               <a14:hiddenEffects xmlns:a14="http://schemas.microsoft.com/office/drawing/2010/main">
                 <a:effectLst>
                   <a:outerShdw dist="35921" dir="2700000" algn="ctr" rotWithShape="0">
@@ -18112,14 +18112,14 @@
           </a:ln>
           <a:effectLst/>
           <a:extLst>
-            <a:ext uri="{909E8E84-426E-40dd-AFC4-6F175D3DCCD1}">
+            <a:ext uri="{909E8E84-426E-40DD-AFC4-6F175D3DCCD1}">
               <a14:hiddenFill xmlns:a14="http://schemas.microsoft.com/office/drawing/2010/main">
                 <a:solidFill>
                   <a:schemeClr val="accent1"/>
                 </a:solidFill>
               </a14:hiddenFill>
             </a:ext>
-            <a:ext uri="{91240B29-F687-4f45-9708-019B960494DF}">
+            <a:ext uri="{91240B29-F687-4F45-9708-019B960494DF}">
               <a14:hiddenLine xmlns:a14="http://schemas.microsoft.com/office/drawing/2010/main" w="9525">
                 <a:solidFill>
                   <a:schemeClr val="tx1"/>
@@ -18129,7 +18129,7 @@
                 <a:tailEnd/>
               </a14:hiddenLine>
             </a:ext>
-            <a:ext uri="{AF507438-7753-43e0-B8FC-AC1667EBCBE1}">
+            <a:ext uri="{AF507438-7753-43E0-B8FC-AC1667EBCBE1}">
               <a14:hiddenEffects xmlns:a14="http://schemas.microsoft.com/office/drawing/2010/main">
                 <a:effectLst>
                   <a:outerShdw dist="35921" dir="2700000" algn="ctr" rotWithShape="0">
@@ -18248,14 +18248,14 @@
             </a:ln>
             <a:effectLst/>
             <a:extLst>
-              <a:ext uri="{909E8E84-426E-40dd-AFC4-6F175D3DCCD1}">
+              <a:ext uri="{909E8E84-426E-40DD-AFC4-6F175D3DCCD1}">
                 <a14:hiddenFill xmlns:a14="http://schemas.microsoft.com/office/drawing/2010/main">
                   <a:solidFill>
                     <a:schemeClr val="accent1"/>
                   </a:solidFill>
                 </a14:hiddenFill>
               </a:ext>
-              <a:ext uri="{91240B29-F687-4f45-9708-019B960494DF}">
+              <a:ext uri="{91240B29-F687-4F45-9708-019B960494DF}">
                 <a14:hiddenLine xmlns:a14="http://schemas.microsoft.com/office/drawing/2010/main" w="9525">
                   <a:solidFill>
                     <a:schemeClr val="tx1"/>
@@ -18265,7 +18265,7 @@
                   <a:tailEnd/>
                 </a14:hiddenLine>
               </a:ext>
-              <a:ext uri="{AF507438-7753-43e0-B8FC-AC1667EBCBE1}">
+              <a:ext uri="{AF507438-7753-43E0-B8FC-AC1667EBCBE1}">
                 <a14:hiddenEffects xmlns:a14="http://schemas.microsoft.com/office/drawing/2010/main">
                   <a:effectLst>
                     <a:outerShdw dist="35921" dir="2700000" algn="ctr" rotWithShape="0">
@@ -18312,14 +18312,14 @@
             </a:ln>
             <a:effectLst/>
             <a:extLst>
-              <a:ext uri="{909E8E84-426E-40dd-AFC4-6F175D3DCCD1}">
+              <a:ext uri="{909E8E84-426E-40DD-AFC4-6F175D3DCCD1}">
                 <a14:hiddenFill xmlns:a14="http://schemas.microsoft.com/office/drawing/2010/main">
                   <a:solidFill>
                     <a:schemeClr val="accent1"/>
                   </a:solidFill>
                 </a14:hiddenFill>
               </a:ext>
-              <a:ext uri="{91240B29-F687-4f45-9708-019B960494DF}">
+              <a:ext uri="{91240B29-F687-4F45-9708-019B960494DF}">
                 <a14:hiddenLine xmlns:a14="http://schemas.microsoft.com/office/drawing/2010/main" w="9525">
                   <a:solidFill>
                     <a:schemeClr val="tx1"/>
@@ -18329,7 +18329,7 @@
                   <a:tailEnd/>
                 </a14:hiddenLine>
               </a:ext>
-              <a:ext uri="{AF507438-7753-43e0-B8FC-AC1667EBCBE1}">
+              <a:ext uri="{AF507438-7753-43E0-B8FC-AC1667EBCBE1}">
                 <a14:hiddenEffects xmlns:a14="http://schemas.microsoft.com/office/drawing/2010/main">
                   <a:effectLst>
                     <a:outerShdw dist="35921" dir="2700000" algn="ctr" rotWithShape="0">
@@ -18375,14 +18375,14 @@
               <a:noFill/>
             </a:ln>
             <a:extLst>
-              <a:ext uri="{909E8E84-426E-40dd-AFC4-6F175D3DCCD1}">
+              <a:ext uri="{909E8E84-426E-40DD-AFC4-6F175D3DCCD1}">
                 <a14:hiddenFill xmlns:a14="http://schemas.microsoft.com/office/drawing/2010/main">
                   <a:solidFill>
                     <a:srgbClr val="FFFFFF"/>
                   </a:solidFill>
                 </a14:hiddenFill>
               </a:ext>
-              <a:ext uri="{91240B29-F687-4f45-9708-019B960494DF}">
+              <a:ext uri="{91240B29-F687-4F45-9708-019B960494DF}">
                 <a14:hiddenLine xmlns:a14="http://schemas.microsoft.com/office/drawing/2010/main" w="9525">
                   <a:solidFill>
                     <a:srgbClr val="000000"/>
@@ -20703,7 +20703,7 @@
   <p:timing>
     <p:tnLst>
       <p:par>
-        <p:cTn xmlns:p14="http://schemas.microsoft.com/office/powerpoint/2010/main" id="1" dur="indefinite" restart="never" nodeType="tmRoot"/>
+        <p:cTn id="1" dur="indefinite" restart="never" nodeType="tmRoot"/>
       </p:par>
     </p:tnLst>
   </p:timing>
@@ -21833,7 +21833,7 @@
           </a:prstGeom>
           <a:noFill/>
           <a:extLst>
-            <a:ext uri="{909E8E84-426E-40dd-AFC4-6F175D3DCCD1}">
+            <a:ext uri="{909E8E84-426E-40DD-AFC4-6F175D3DCCD1}">
               <a14:hiddenFill xmlns:a14="http://schemas.microsoft.com/office/drawing/2010/main">
                 <a:solidFill>
                   <a:srgbClr val="FFFFFF"/>
@@ -23124,14 +23124,14 @@
             </a:ln>
             <a:effectLst/>
             <a:extLst>
-              <a:ext uri="{909E8E84-426E-40dd-AFC4-6F175D3DCCD1}">
+              <a:ext uri="{909E8E84-426E-40DD-AFC4-6F175D3DCCD1}">
                 <a14:hiddenFill xmlns:a14="http://schemas.microsoft.com/office/drawing/2010/main">
                   <a:solidFill>
                     <a:schemeClr val="accent1"/>
                   </a:solidFill>
                 </a14:hiddenFill>
               </a:ext>
-              <a:ext uri="{91240B29-F687-4f45-9708-019B960494DF}">
+              <a:ext uri="{91240B29-F687-4F45-9708-019B960494DF}">
                 <a14:hiddenLine xmlns:a14="http://schemas.microsoft.com/office/drawing/2010/main" w="9525">
                   <a:solidFill>
                     <a:schemeClr val="tx1"/>
@@ -23141,7 +23141,7 @@
                   <a:tailEnd/>
                 </a14:hiddenLine>
               </a:ext>
-              <a:ext uri="{AF507438-7753-43e0-B8FC-AC1667EBCBE1}">
+              <a:ext uri="{AF507438-7753-43E0-B8FC-AC1667EBCBE1}">
                 <a14:hiddenEffects xmlns:a14="http://schemas.microsoft.com/office/drawing/2010/main">
                   <a:effectLst>
                     <a:outerShdw dist="35921" dir="2700000" algn="ctr" rotWithShape="0">
@@ -23188,14 +23188,14 @@
             </a:ln>
             <a:effectLst/>
             <a:extLst>
-              <a:ext uri="{909E8E84-426E-40dd-AFC4-6F175D3DCCD1}">
+              <a:ext uri="{909E8E84-426E-40DD-AFC4-6F175D3DCCD1}">
                 <a14:hiddenFill xmlns:a14="http://schemas.microsoft.com/office/drawing/2010/main">
                   <a:solidFill>
                     <a:schemeClr val="accent1"/>
                   </a:solidFill>
                 </a14:hiddenFill>
               </a:ext>
-              <a:ext uri="{91240B29-F687-4f45-9708-019B960494DF}">
+              <a:ext uri="{91240B29-F687-4F45-9708-019B960494DF}">
                 <a14:hiddenLine xmlns:a14="http://schemas.microsoft.com/office/drawing/2010/main" w="9525">
                   <a:solidFill>
                     <a:schemeClr val="tx1"/>
@@ -23205,7 +23205,7 @@
                   <a:tailEnd/>
                 </a14:hiddenLine>
               </a:ext>
-              <a:ext uri="{AF507438-7753-43e0-B8FC-AC1667EBCBE1}">
+              <a:ext uri="{AF507438-7753-43E0-B8FC-AC1667EBCBE1}">
                 <a14:hiddenEffects xmlns:a14="http://schemas.microsoft.com/office/drawing/2010/main">
                   <a:effectLst>
                     <a:outerShdw dist="35921" dir="2700000" algn="ctr" rotWithShape="0">
@@ -23248,7 +23248,7 @@
             </a:prstGeom>
             <a:noFill/>
             <a:extLst>
-              <a:ext uri="{909E8E84-426E-40dd-AFC4-6F175D3DCCD1}">
+              <a:ext uri="{909E8E84-426E-40DD-AFC4-6F175D3DCCD1}">
                 <a14:hiddenFill xmlns:a14="http://schemas.microsoft.com/office/drawing/2010/main">
                   <a:solidFill>
                     <a:srgbClr val="FFFFFF"/>
@@ -24589,13 +24589,13 @@
 </file>
 
 <file path=customXml/item1.xml><?xml version="1.0" encoding="utf-8"?>
-<?mso-contentType ?>
-<customXsn xmlns="http://schemas.microsoft.com/office/2006/metadata/customXsn">
-  <xsnLocation/>
-  <cached>True</cached>
-  <openByDefault>True</openByDefault>
-  <xsnScope/>
-</customXsn>
+<p:properties xmlns:p="http://schemas.microsoft.com/office/2006/metadata/properties" xmlns:xsi="http://www.w3.org/2001/XMLSchema-instance">
+  <documentManagement>
+    <MITRE_x0020_Sensitivity xmlns="http://schemas.microsoft.com/sharepoint/v3">Internal MITRE Information</MITRE_x0020_Sensitivity>
+    <_Contributor xmlns="http://schemas.microsoft.com/sharepoint/v3/fields" xsi:nil="true"/>
+    <Release_x0020_Statement xmlns="http://schemas.microsoft.com/sharepoint/v3">For Internal MITRE Use</Release_x0020_Statement>
+  </documentManagement>
+</p:properties>
 </file>
 
 <file path=customXml/item2.xml><?xml version="1.0" encoding="utf-8"?>
@@ -24608,13 +24608,13 @@
 </file>
 
 <file path=customXml/item3.xml><?xml version="1.0" encoding="utf-8"?>
-<p:properties xmlns:p="http://schemas.microsoft.com/office/2006/metadata/properties" xmlns:xsi="http://www.w3.org/2001/XMLSchema-instance">
-  <documentManagement>
-    <MITRE_x0020_Sensitivity xmlns="http://schemas.microsoft.com/sharepoint/v3">Internal MITRE Information</MITRE_x0020_Sensitivity>
-    <_Contributor xmlns="http://schemas.microsoft.com/sharepoint/v3/fields" xsi:nil="true"/>
-    <Release_x0020_Statement xmlns="http://schemas.microsoft.com/sharepoint/v3">For Internal MITRE Use</Release_x0020_Statement>
-  </documentManagement>
-</p:properties>
+<?mso-contentType ?>
+<customXsn xmlns="http://schemas.microsoft.com/office/2006/metadata/customXsn">
+  <xsnLocation/>
+  <cached>True</cached>
+  <openByDefault>True</openByDefault>
+  <xsnScope/>
+</customXsn>
 </file>
 
 <file path=customXml/item4.xml><?xml version="1.0" encoding="utf-8"?>
@@ -24782,9 +24782,18 @@
 </file>
 
 <file path=customXml/itemProps1.xml><?xml version="1.0" encoding="utf-8"?>
-<ds:datastoreItem xmlns:ds="http://schemas.openxmlformats.org/officeDocument/2006/customXml" ds:itemID="{5E3CFF05-96D1-4EB3-A171-99296C24FE7D}">
+<ds:datastoreItem xmlns:ds="http://schemas.openxmlformats.org/officeDocument/2006/customXml" ds:itemID="{6011E5F6-85AB-45EB-8FFC-042EC0C55FC2}">
   <ds:schemaRefs>
-    <ds:schemaRef ds:uri="http://schemas.microsoft.com/office/2006/metadata/customXsn"/>
+    <ds:schemaRef ds:uri="http://schemas.microsoft.com/sharepoint/v3/fields"/>
+    <ds:schemaRef ds:uri="http://purl.org/dc/terms/"/>
+    <ds:schemaRef ds:uri="http://www.w3.org/XML/1998/namespace"/>
+    <ds:schemaRef ds:uri="http://schemas.microsoft.com/office/2006/documentManagement/types"/>
+    <ds:schemaRef ds:uri="http://purl.org/dc/elements/1.1/"/>
+    <ds:schemaRef ds:uri="http://schemas.microsoft.com/sharepoint/v3"/>
+    <ds:schemaRef ds:uri="http://schemas.microsoft.com/office/infopath/2007/PartnerControls"/>
+    <ds:schemaRef ds:uri="http://schemas.openxmlformats.org/package/2006/metadata/core-properties"/>
+    <ds:schemaRef ds:uri="http://schemas.microsoft.com/office/2006/metadata/properties"/>
+    <ds:schemaRef ds:uri="http://purl.org/dc/dcmitype/"/>
   </ds:schemaRefs>
 </ds:datastoreItem>
 </file>
@@ -24798,18 +24807,9 @@
 </file>
 
 <file path=customXml/itemProps3.xml><?xml version="1.0" encoding="utf-8"?>
-<ds:datastoreItem xmlns:ds="http://schemas.openxmlformats.org/officeDocument/2006/customXml" ds:itemID="{6011E5F6-85AB-45EB-8FFC-042EC0C55FC2}">
+<ds:datastoreItem xmlns:ds="http://schemas.openxmlformats.org/officeDocument/2006/customXml" ds:itemID="{5E3CFF05-96D1-4EB3-A171-99296C24FE7D}">
   <ds:schemaRefs>
-    <ds:schemaRef ds:uri="http://schemas.microsoft.com/sharepoint/v3/fields"/>
-    <ds:schemaRef ds:uri="http://purl.org/dc/terms/"/>
-    <ds:schemaRef ds:uri="http://www.w3.org/XML/1998/namespace"/>
-    <ds:schemaRef ds:uri="http://schemas.microsoft.com/office/2006/documentManagement/types"/>
-    <ds:schemaRef ds:uri="http://purl.org/dc/elements/1.1/"/>
-    <ds:schemaRef ds:uri="http://schemas.microsoft.com/sharepoint/v3"/>
-    <ds:schemaRef ds:uri="http://schemas.microsoft.com/office/infopath/2007/PartnerControls"/>
-    <ds:schemaRef ds:uri="http://schemas.openxmlformats.org/package/2006/metadata/core-properties"/>
-    <ds:schemaRef ds:uri="http://schemas.microsoft.com/office/2006/metadata/properties"/>
-    <ds:schemaRef ds:uri="http://purl.org/dc/dcmitype/"/>
+    <ds:schemaRef ds:uri="http://schemas.microsoft.com/office/2006/metadata/customXsn"/>
   </ds:schemaRefs>
 </ds:datastoreItem>
 </file>
